--- a/article_Supplementary Materials/figs/exp2/figs.pptx
+++ b/article_Supplementary Materials/figs/exp2/figs.pptx
@@ -5,12 +5,13 @@
     <p:sldMasterId id="2147483684" r:id="rId1"/>
   </p:sldMasterIdLst>
   <p:notesMasterIdLst>
-    <p:notesMasterId r:id="rId5"/>
+    <p:notesMasterId r:id="rId6"/>
   </p:notesMasterIdLst>
   <p:sldIdLst>
     <p:sldId id="256" r:id="rId2"/>
     <p:sldId id="257" r:id="rId3"/>
     <p:sldId id="258" r:id="rId4"/>
+    <p:sldId id="260" r:id="rId5"/>
   </p:sldIdLst>
   <p:sldSz cx="12192000" cy="6858000"/>
   <p:notesSz cx="6858000" cy="9144000"/>
@@ -199,7 +200,7 @@
           <a:p>
             <a:fld id="{D8F8609E-4636-465E-B4E4-51722387EDAF}" type="datetimeFigureOut">
               <a:rPr lang="zh-CN" altLang="en-US" smtClean="0"/>
-              <a:t>2024/8/13</a:t>
+              <a:t>2024/8/16</a:t>
             </a:fld>
             <a:endParaRPr lang="zh-CN" altLang="en-US"/>
           </a:p>
@@ -687,7 +688,7 @@
           <a:p>
             <a:fld id="{F8344808-DA6B-4507-8AA8-235B3C7E7170}" type="datetimeFigureOut">
               <a:rPr lang="zh-CN" altLang="en-US" smtClean="0"/>
-              <a:t>2024/8/13</a:t>
+              <a:t>2024/8/16</a:t>
             </a:fld>
             <a:endParaRPr lang="zh-CN" altLang="en-US"/>
           </a:p>
@@ -857,7 +858,7 @@
           <a:p>
             <a:fld id="{F8344808-DA6B-4507-8AA8-235B3C7E7170}" type="datetimeFigureOut">
               <a:rPr lang="zh-CN" altLang="en-US" smtClean="0"/>
-              <a:t>2024/8/13</a:t>
+              <a:t>2024/8/16</a:t>
             </a:fld>
             <a:endParaRPr lang="zh-CN" altLang="en-US"/>
           </a:p>
@@ -1037,7 +1038,7 @@
           <a:p>
             <a:fld id="{F8344808-DA6B-4507-8AA8-235B3C7E7170}" type="datetimeFigureOut">
               <a:rPr lang="zh-CN" altLang="en-US" smtClean="0"/>
-              <a:t>2024/8/13</a:t>
+              <a:t>2024/8/16</a:t>
             </a:fld>
             <a:endParaRPr lang="zh-CN" altLang="en-US"/>
           </a:p>
@@ -1207,7 +1208,7 @@
           <a:p>
             <a:fld id="{F8344808-DA6B-4507-8AA8-235B3C7E7170}" type="datetimeFigureOut">
               <a:rPr lang="zh-CN" altLang="en-US" smtClean="0"/>
-              <a:t>2024/8/13</a:t>
+              <a:t>2024/8/16</a:t>
             </a:fld>
             <a:endParaRPr lang="zh-CN" altLang="en-US"/>
           </a:p>
@@ -1453,7 +1454,7 @@
           <a:p>
             <a:fld id="{F8344808-DA6B-4507-8AA8-235B3C7E7170}" type="datetimeFigureOut">
               <a:rPr lang="zh-CN" altLang="en-US" smtClean="0"/>
-              <a:t>2024/8/13</a:t>
+              <a:t>2024/8/16</a:t>
             </a:fld>
             <a:endParaRPr lang="zh-CN" altLang="en-US"/>
           </a:p>
@@ -1685,7 +1686,7 @@
           <a:p>
             <a:fld id="{F8344808-DA6B-4507-8AA8-235B3C7E7170}" type="datetimeFigureOut">
               <a:rPr lang="zh-CN" altLang="en-US" smtClean="0"/>
-              <a:t>2024/8/13</a:t>
+              <a:t>2024/8/16</a:t>
             </a:fld>
             <a:endParaRPr lang="zh-CN" altLang="en-US"/>
           </a:p>
@@ -2052,7 +2053,7 @@
           <a:p>
             <a:fld id="{F8344808-DA6B-4507-8AA8-235B3C7E7170}" type="datetimeFigureOut">
               <a:rPr lang="zh-CN" altLang="en-US" smtClean="0"/>
-              <a:t>2024/8/13</a:t>
+              <a:t>2024/8/16</a:t>
             </a:fld>
             <a:endParaRPr lang="zh-CN" altLang="en-US"/>
           </a:p>
@@ -2170,7 +2171,7 @@
           <a:p>
             <a:fld id="{F8344808-DA6B-4507-8AA8-235B3C7E7170}" type="datetimeFigureOut">
               <a:rPr lang="zh-CN" altLang="en-US" smtClean="0"/>
-              <a:t>2024/8/13</a:t>
+              <a:t>2024/8/16</a:t>
             </a:fld>
             <a:endParaRPr lang="zh-CN" altLang="en-US"/>
           </a:p>
@@ -2265,7 +2266,7 @@
           <a:p>
             <a:fld id="{F8344808-DA6B-4507-8AA8-235B3C7E7170}" type="datetimeFigureOut">
               <a:rPr lang="zh-CN" altLang="en-US" smtClean="0"/>
-              <a:t>2024/8/13</a:t>
+              <a:t>2024/8/16</a:t>
             </a:fld>
             <a:endParaRPr lang="zh-CN" altLang="en-US"/>
           </a:p>
@@ -2542,7 +2543,7 @@
           <a:p>
             <a:fld id="{F8344808-DA6B-4507-8AA8-235B3C7E7170}" type="datetimeFigureOut">
               <a:rPr lang="zh-CN" altLang="en-US" smtClean="0"/>
-              <a:t>2024/8/13</a:t>
+              <a:t>2024/8/16</a:t>
             </a:fld>
             <a:endParaRPr lang="zh-CN" altLang="en-US"/>
           </a:p>
@@ -2799,7 +2800,7 @@
           <a:p>
             <a:fld id="{F8344808-DA6B-4507-8AA8-235B3C7E7170}" type="datetimeFigureOut">
               <a:rPr lang="zh-CN" altLang="en-US" smtClean="0"/>
-              <a:t>2024/8/13</a:t>
+              <a:t>2024/8/16</a:t>
             </a:fld>
             <a:endParaRPr lang="zh-CN" altLang="en-US"/>
           </a:p>
@@ -3012,7 +3013,7 @@
           <a:p>
             <a:fld id="{F8344808-DA6B-4507-8AA8-235B3C7E7170}" type="datetimeFigureOut">
               <a:rPr lang="zh-CN" altLang="en-US" smtClean="0"/>
-              <a:t>2024/8/13</a:t>
+              <a:t>2024/8/16</a:t>
             </a:fld>
             <a:endParaRPr lang="zh-CN" altLang="en-US"/>
           </a:p>
@@ -3871,6 +3872,201 @@
     <p:extLst>
       <p:ext uri="{BB962C8B-B14F-4D97-AF65-F5344CB8AC3E}">
         <p14:creationId xmlns:p14="http://schemas.microsoft.com/office/powerpoint/2010/main" val="20207539"/>
+      </p:ext>
+    </p:extLst>
+  </p:cSld>
+  <p:clrMapOvr>
+    <a:masterClrMapping/>
+  </p:clrMapOvr>
+</p:sld>
+</file>
+
+<file path=ppt/slides/slide4.xml><?xml version="1.0" encoding="utf-8"?>
+<p:sld xmlns:a="http://schemas.openxmlformats.org/drawingml/2006/main" xmlns:r="http://schemas.openxmlformats.org/officeDocument/2006/relationships" xmlns:p="http://schemas.openxmlformats.org/presentationml/2006/main">
+  <p:cSld>
+    <p:spTree>
+      <p:nvGrpSpPr>
+        <p:cNvPr id="1" name=""/>
+        <p:cNvGrpSpPr/>
+        <p:nvPr/>
+      </p:nvGrpSpPr>
+      <p:grpSpPr>
+        <a:xfrm>
+          <a:off x="0" y="0"/>
+          <a:ext cx="0" cy="0"/>
+          <a:chOff x="0" y="0"/>
+          <a:chExt cx="0" cy="0"/>
+        </a:xfrm>
+      </p:grpSpPr>
+      <p:grpSp>
+        <p:nvGrpSpPr>
+          <p:cNvPr id="19" name="Group 18">
+            <a:extLst>
+              <a:ext uri="{FF2B5EF4-FFF2-40B4-BE49-F238E27FC236}">
+                <a16:creationId xmlns:a16="http://schemas.microsoft.com/office/drawing/2014/main" id="{4CD1DB2C-D2C4-F859-6C29-A946C0B20BC2}"/>
+              </a:ext>
+            </a:extLst>
+          </p:cNvPr>
+          <p:cNvGrpSpPr/>
+          <p:nvPr/>
+        </p:nvGrpSpPr>
+        <p:grpSpPr>
+          <a:xfrm>
+            <a:off x="78643" y="400659"/>
+            <a:ext cx="14630430" cy="5486412"/>
+            <a:chOff x="78643" y="400659"/>
+            <a:chExt cx="14630430" cy="5486412"/>
+          </a:xfrm>
+        </p:grpSpPr>
+        <p:pic>
+          <p:nvPicPr>
+            <p:cNvPr id="13" name="Picture 12" descr="A group of colorful dots&#10;&#10;Description automatically generated">
+              <a:extLst>
+                <a:ext uri="{FF2B5EF4-FFF2-40B4-BE49-F238E27FC236}">
+                  <a16:creationId xmlns:a16="http://schemas.microsoft.com/office/drawing/2014/main" id="{54EAF568-8947-69FB-E9F1-F19D4D1ACCF9}"/>
+                </a:ext>
+              </a:extLst>
+            </p:cNvPr>
+            <p:cNvPicPr>
+              <a:picLocks noChangeAspect="1"/>
+            </p:cNvPicPr>
+            <p:nvPr/>
+          </p:nvPicPr>
+          <p:blipFill>
+            <a:blip r:embed="rId2">
+              <a:extLst>
+                <a:ext uri="{28A0092B-C50C-407E-A947-70E740481C1C}">
+                  <a14:useLocalDpi xmlns:a14="http://schemas.microsoft.com/office/drawing/2010/main" val="0"/>
+                </a:ext>
+              </a:extLst>
+            </a:blip>
+            <a:stretch>
+              <a:fillRect/>
+            </a:stretch>
+          </p:blipFill>
+          <p:spPr>
+            <a:xfrm>
+              <a:off x="78643" y="400659"/>
+              <a:ext cx="7315215" cy="5486411"/>
+            </a:xfrm>
+            <a:prstGeom prst="rect">
+              <a:avLst/>
+            </a:prstGeom>
+          </p:spPr>
+        </p:pic>
+        <p:pic>
+          <p:nvPicPr>
+            <p:cNvPr id="15" name="Picture 14" descr="A diagram of a number of dots&#10;&#10;Description automatically generated with medium confidence">
+              <a:extLst>
+                <a:ext uri="{FF2B5EF4-FFF2-40B4-BE49-F238E27FC236}">
+                  <a16:creationId xmlns:a16="http://schemas.microsoft.com/office/drawing/2014/main" id="{505477BF-AE45-9B28-2AE6-0F07DD38148E}"/>
+                </a:ext>
+              </a:extLst>
+            </p:cNvPr>
+            <p:cNvPicPr>
+              <a:picLocks noChangeAspect="1"/>
+            </p:cNvPicPr>
+            <p:nvPr/>
+          </p:nvPicPr>
+          <p:blipFill>
+            <a:blip r:embed="rId3">
+              <a:extLst>
+                <a:ext uri="{28A0092B-C50C-407E-A947-70E740481C1C}">
+                  <a14:useLocalDpi xmlns:a14="http://schemas.microsoft.com/office/drawing/2010/main" val="0"/>
+                </a:ext>
+              </a:extLst>
+            </a:blip>
+            <a:stretch>
+              <a:fillRect/>
+            </a:stretch>
+          </p:blipFill>
+          <p:spPr>
+            <a:xfrm>
+              <a:off x="7393858" y="400660"/>
+              <a:ext cx="7315215" cy="5486411"/>
+            </a:xfrm>
+            <a:prstGeom prst="rect">
+              <a:avLst/>
+            </a:prstGeom>
+          </p:spPr>
+        </p:pic>
+        <p:sp>
+          <p:nvSpPr>
+            <p:cNvPr id="17" name="TextBox 16">
+              <a:extLst>
+                <a:ext uri="{FF2B5EF4-FFF2-40B4-BE49-F238E27FC236}">
+                  <a16:creationId xmlns:a16="http://schemas.microsoft.com/office/drawing/2014/main" id="{1C89F3A5-D3B2-144B-BEEE-298915D6E3D6}"/>
+                </a:ext>
+              </a:extLst>
+            </p:cNvPr>
+            <p:cNvSpPr txBox="1"/>
+            <p:nvPr/>
+          </p:nvSpPr>
+          <p:spPr>
+            <a:xfrm>
+              <a:off x="184192" y="492885"/>
+              <a:ext cx="343364" cy="400110"/>
+            </a:xfrm>
+            <a:prstGeom prst="rect">
+              <a:avLst/>
+            </a:prstGeom>
+            <a:noFill/>
+          </p:spPr>
+          <p:txBody>
+            <a:bodyPr wrap="none" rtlCol="0">
+              <a:spAutoFit/>
+            </a:bodyPr>
+            <a:lstStyle/>
+            <a:p>
+              <a:r>
+                <a:rPr lang="en-US" altLang="zh-CN" sz="2000" b="1" dirty="0"/>
+                <a:t>A</a:t>
+              </a:r>
+              <a:endParaRPr lang="zh-CN" altLang="en-US" sz="2000" b="1" dirty="0"/>
+            </a:p>
+          </p:txBody>
+        </p:sp>
+        <p:sp>
+          <p:nvSpPr>
+            <p:cNvPr id="18" name="TextBox 17">
+              <a:extLst>
+                <a:ext uri="{FF2B5EF4-FFF2-40B4-BE49-F238E27FC236}">
+                  <a16:creationId xmlns:a16="http://schemas.microsoft.com/office/drawing/2014/main" id="{05CF67A9-C0F4-FB65-6F0E-C5851C525046}"/>
+                </a:ext>
+              </a:extLst>
+            </p:cNvPr>
+            <p:cNvSpPr txBox="1"/>
+            <p:nvPr/>
+          </p:nvSpPr>
+          <p:spPr>
+            <a:xfrm>
+              <a:off x="7401085" y="492885"/>
+              <a:ext cx="343364" cy="400110"/>
+            </a:xfrm>
+            <a:prstGeom prst="rect">
+              <a:avLst/>
+            </a:prstGeom>
+            <a:noFill/>
+          </p:spPr>
+          <p:txBody>
+            <a:bodyPr wrap="none" rtlCol="0">
+              <a:spAutoFit/>
+            </a:bodyPr>
+            <a:lstStyle/>
+            <a:p>
+              <a:r>
+                <a:rPr lang="en-US" altLang="zh-CN" sz="2000" b="1" dirty="0"/>
+                <a:t>B</a:t>
+              </a:r>
+              <a:endParaRPr lang="zh-CN" altLang="en-US" sz="2000" b="1" dirty="0"/>
+            </a:p>
+          </p:txBody>
+        </p:sp>
+      </p:grpSp>
+    </p:spTree>
+    <p:extLst>
+      <p:ext uri="{BB962C8B-B14F-4D97-AF65-F5344CB8AC3E}">
+        <p14:creationId xmlns:p14="http://schemas.microsoft.com/office/powerpoint/2010/main" val="2410144824"/>
       </p:ext>
     </p:extLst>
   </p:cSld>
